--- a/td-game.pptx
+++ b/td-game.pptx
@@ -10,6 +10,7 @@
     <p:sldId id="258" r:id="rId5"/>
     <p:sldId id="259" r:id="rId6"/>
     <p:sldId id="260" r:id="rId7"/>
+    <p:sldId id="261" r:id="rId8"/>
   </p:sldIdLst>
   <p:sldSz cx="12192000" cy="6858000"/>
   <p:notesSz cx="12192000" cy="6858000"/>
@@ -116,9 +117,9 @@
   <p:cSld name="Титульный слайд">
     <p:spTree>
       <p:nvGrpSpPr>
-        <p:cNvPr id="1" name=""/>
+        <p:cNvPr id="1" name="" hidden="0"/>
         <p:cNvGrpSpPr/>
-        <p:nvPr/>
+        <p:nvPr isPhoto="0" userDrawn="0"/>
       </p:nvGrpSpPr>
       <p:grpSpPr bwMode="auto">
         <a:xfrm>
@@ -130,12 +131,12 @@
       </p:grpSpPr>
       <p:sp>
         <p:nvSpPr>
-          <p:cNvPr id="2" name="Заголовок 1"/>
-          <p:cNvSpPr>
-            <a:spLocks noGrp="1"/>
-          </p:cNvSpPr>
-          <p:nvPr>
-            <p:ph type="ctrTitle"/>
+          <p:cNvPr id="4" name="Заголовок 1" hidden="0"/>
+          <p:cNvSpPr>
+            <a:spLocks noGrp="1"/>
+          </p:cNvSpPr>
+          <p:nvPr isPhoto="0" userDrawn="0">
+            <p:ph type="ctrTitle" hasCustomPrompt="0"/>
           </p:nvPr>
         </p:nvSpPr>
         <p:spPr bwMode="auto">
@@ -165,12 +166,12 @@
       </p:sp>
       <p:sp>
         <p:nvSpPr>
-          <p:cNvPr id="3" name="Подзаголовок 2"/>
-          <p:cNvSpPr>
-            <a:spLocks noGrp="1"/>
-          </p:cNvSpPr>
-          <p:nvPr>
-            <p:ph type="subTitle" idx="1"/>
+          <p:cNvPr id="5" name="Подзаголовок 2" hidden="0"/>
+          <p:cNvSpPr>
+            <a:spLocks noGrp="1"/>
+          </p:cNvSpPr>
+          <p:nvPr isPhoto="0" userDrawn="0">
+            <p:ph type="subTitle" idx="1" hasCustomPrompt="0"/>
           </p:nvPr>
         </p:nvSpPr>
         <p:spPr bwMode="auto">
@@ -233,12 +234,12 @@
       </p:sp>
       <p:sp>
         <p:nvSpPr>
-          <p:cNvPr id="4" name="Дата 3"/>
-          <p:cNvSpPr>
-            <a:spLocks noGrp="1"/>
-          </p:cNvSpPr>
-          <p:nvPr>
-            <p:ph type="dt" sz="half" idx="10"/>
+          <p:cNvPr id="6" name="Дата 3" hidden="0"/>
+          <p:cNvSpPr>
+            <a:spLocks noGrp="1"/>
+          </p:cNvSpPr>
+          <p:nvPr isPhoto="0" userDrawn="0">
+            <p:ph type="dt" sz="half" idx="10" hasCustomPrompt="0"/>
           </p:nvPr>
         </p:nvSpPr>
         <p:spPr bwMode="auto"/>
@@ -259,12 +260,12 @@
       </p:sp>
       <p:sp>
         <p:nvSpPr>
-          <p:cNvPr id="5" name="Нижний колонтитул 4"/>
-          <p:cNvSpPr>
-            <a:spLocks noGrp="1"/>
-          </p:cNvSpPr>
-          <p:nvPr>
-            <p:ph type="ftr" sz="quarter" idx="11"/>
+          <p:cNvPr id="7" name="Нижний колонтитул 4" hidden="0"/>
+          <p:cNvSpPr>
+            <a:spLocks noGrp="1"/>
+          </p:cNvSpPr>
+          <p:nvPr isPhoto="0" userDrawn="0">
+            <p:ph type="ftr" sz="quarter" idx="11" hasCustomPrompt="0"/>
           </p:nvPr>
         </p:nvSpPr>
         <p:spPr bwMode="auto"/>
@@ -281,12 +282,12 @@
       </p:sp>
       <p:sp>
         <p:nvSpPr>
-          <p:cNvPr id="6" name="Номер слайда 5"/>
-          <p:cNvSpPr>
-            <a:spLocks noGrp="1"/>
-          </p:cNvSpPr>
-          <p:nvPr>
-            <p:ph type="sldNum" sz="quarter" idx="12"/>
+          <p:cNvPr id="8" name="Номер слайда 5" hidden="0"/>
+          <p:cNvSpPr>
+            <a:spLocks noGrp="1"/>
+          </p:cNvSpPr>
+          <p:nvPr isPhoto="0" userDrawn="0">
+            <p:ph type="sldNum" sz="quarter" idx="12" hasCustomPrompt="0"/>
           </p:nvPr>
         </p:nvSpPr>
         <p:spPr bwMode="auto"/>
@@ -318,9 +319,9 @@
   <p:cSld name="Заголовок и вертикальный текст">
     <p:spTree>
       <p:nvGrpSpPr>
-        <p:cNvPr id="1" name=""/>
+        <p:cNvPr id="1" name="" hidden="0"/>
         <p:cNvGrpSpPr/>
-        <p:nvPr/>
+        <p:nvPr isPhoto="0" userDrawn="0"/>
       </p:nvGrpSpPr>
       <p:grpSpPr bwMode="auto">
         <a:xfrm>
@@ -332,12 +333,12 @@
       </p:grpSpPr>
       <p:sp>
         <p:nvSpPr>
-          <p:cNvPr id="2" name="Заголовок 1"/>
-          <p:cNvSpPr>
-            <a:spLocks noGrp="1"/>
-          </p:cNvSpPr>
-          <p:nvPr>
-            <p:ph type="title"/>
+          <p:cNvPr id="4" name="Заголовок 1" hidden="0"/>
+          <p:cNvSpPr>
+            <a:spLocks noGrp="1"/>
+          </p:cNvSpPr>
+          <p:nvPr isPhoto="0" userDrawn="0">
+            <p:ph type="title" hasCustomPrompt="0"/>
           </p:nvPr>
         </p:nvSpPr>
         <p:spPr bwMode="auto"/>
@@ -358,12 +359,12 @@
       </p:sp>
       <p:sp>
         <p:nvSpPr>
-          <p:cNvPr id="3" name="Вертикальный текст 2"/>
-          <p:cNvSpPr>
-            <a:spLocks noGrp="1"/>
-          </p:cNvSpPr>
-          <p:nvPr>
-            <p:ph type="body" orient="vert" idx="1"/>
+          <p:cNvPr id="5" name="Вертикальный текст 2" hidden="0"/>
+          <p:cNvSpPr>
+            <a:spLocks noGrp="1"/>
+          </p:cNvSpPr>
+          <p:nvPr isPhoto="0" userDrawn="0">
+            <p:ph type="body" orient="vert" idx="1" hasCustomPrompt="0"/>
           </p:nvPr>
         </p:nvSpPr>
         <p:spPr bwMode="auto"/>
@@ -424,12 +425,12 @@
       </p:sp>
       <p:sp>
         <p:nvSpPr>
-          <p:cNvPr id="4" name="Дата 3"/>
-          <p:cNvSpPr>
-            <a:spLocks noGrp="1"/>
-          </p:cNvSpPr>
-          <p:nvPr>
-            <p:ph type="dt" sz="half" idx="10"/>
+          <p:cNvPr id="6" name="Дата 3" hidden="0"/>
+          <p:cNvSpPr>
+            <a:spLocks noGrp="1"/>
+          </p:cNvSpPr>
+          <p:nvPr isPhoto="0" userDrawn="0">
+            <p:ph type="dt" sz="half" idx="10" hasCustomPrompt="0"/>
           </p:nvPr>
         </p:nvSpPr>
         <p:spPr bwMode="auto"/>
@@ -450,12 +451,12 @@
       </p:sp>
       <p:sp>
         <p:nvSpPr>
-          <p:cNvPr id="5" name="Нижний колонтитул 4"/>
-          <p:cNvSpPr>
-            <a:spLocks noGrp="1"/>
-          </p:cNvSpPr>
-          <p:nvPr>
-            <p:ph type="ftr" sz="quarter" idx="11"/>
+          <p:cNvPr id="7" name="Нижний колонтитул 4" hidden="0"/>
+          <p:cNvSpPr>
+            <a:spLocks noGrp="1"/>
+          </p:cNvSpPr>
+          <p:nvPr isPhoto="0" userDrawn="0">
+            <p:ph type="ftr" sz="quarter" idx="11" hasCustomPrompt="0"/>
           </p:nvPr>
         </p:nvSpPr>
         <p:spPr bwMode="auto"/>
@@ -472,12 +473,12 @@
       </p:sp>
       <p:sp>
         <p:nvSpPr>
-          <p:cNvPr id="6" name="Номер слайда 5"/>
-          <p:cNvSpPr>
-            <a:spLocks noGrp="1"/>
-          </p:cNvSpPr>
-          <p:nvPr>
-            <p:ph type="sldNum" sz="quarter" idx="12"/>
+          <p:cNvPr id="8" name="Номер слайда 5" hidden="0"/>
+          <p:cNvSpPr>
+            <a:spLocks noGrp="1"/>
+          </p:cNvSpPr>
+          <p:nvPr isPhoto="0" userDrawn="0">
+            <p:ph type="sldNum" sz="quarter" idx="12" hasCustomPrompt="0"/>
           </p:nvPr>
         </p:nvSpPr>
         <p:spPr bwMode="auto"/>
@@ -509,9 +510,9 @@
   <p:cSld name="Вертикальный заголовок и текст">
     <p:spTree>
       <p:nvGrpSpPr>
-        <p:cNvPr id="1" name=""/>
+        <p:cNvPr id="1" name="" hidden="0"/>
         <p:cNvGrpSpPr/>
-        <p:nvPr/>
+        <p:nvPr isPhoto="0" userDrawn="0"/>
       </p:nvGrpSpPr>
       <p:grpSpPr bwMode="auto">
         <a:xfrm>
@@ -523,12 +524,12 @@
       </p:grpSpPr>
       <p:sp>
         <p:nvSpPr>
-          <p:cNvPr id="2" name="Вертикальный заголовок 1"/>
-          <p:cNvSpPr>
-            <a:spLocks noGrp="1"/>
-          </p:cNvSpPr>
-          <p:nvPr>
-            <p:ph type="title" orient="vert"/>
+          <p:cNvPr id="4" name="Вертикальный заголовок 1" hidden="0"/>
+          <p:cNvSpPr>
+            <a:spLocks noGrp="1"/>
+          </p:cNvSpPr>
+          <p:nvPr isPhoto="0" userDrawn="0">
+            <p:ph type="title" orient="vert" hasCustomPrompt="0"/>
           </p:nvPr>
         </p:nvSpPr>
         <p:spPr bwMode="auto">
@@ -554,12 +555,12 @@
       </p:sp>
       <p:sp>
         <p:nvSpPr>
-          <p:cNvPr id="3" name="Вертикальный текст 2"/>
-          <p:cNvSpPr>
-            <a:spLocks noGrp="1"/>
-          </p:cNvSpPr>
-          <p:nvPr>
-            <p:ph type="body" orient="vert" idx="1"/>
+          <p:cNvPr id="5" name="Вертикальный текст 2" hidden="0"/>
+          <p:cNvSpPr>
+            <a:spLocks noGrp="1"/>
+          </p:cNvSpPr>
+          <p:nvPr isPhoto="0" userDrawn="0">
+            <p:ph type="body" orient="vert" idx="1" hasCustomPrompt="0"/>
           </p:nvPr>
         </p:nvSpPr>
         <p:spPr bwMode="auto">
@@ -625,12 +626,12 @@
       </p:sp>
       <p:sp>
         <p:nvSpPr>
-          <p:cNvPr id="4" name="Дата 3"/>
-          <p:cNvSpPr>
-            <a:spLocks noGrp="1"/>
-          </p:cNvSpPr>
-          <p:nvPr>
-            <p:ph type="dt" sz="half" idx="10"/>
+          <p:cNvPr id="6" name="Дата 3" hidden="0"/>
+          <p:cNvSpPr>
+            <a:spLocks noGrp="1"/>
+          </p:cNvSpPr>
+          <p:nvPr isPhoto="0" userDrawn="0">
+            <p:ph type="dt" sz="half" idx="10" hasCustomPrompt="0"/>
           </p:nvPr>
         </p:nvSpPr>
         <p:spPr bwMode="auto"/>
@@ -651,12 +652,12 @@
       </p:sp>
       <p:sp>
         <p:nvSpPr>
-          <p:cNvPr id="5" name="Нижний колонтитул 4"/>
-          <p:cNvSpPr>
-            <a:spLocks noGrp="1"/>
-          </p:cNvSpPr>
-          <p:nvPr>
-            <p:ph type="ftr" sz="quarter" idx="11"/>
+          <p:cNvPr id="7" name="Нижний колонтитул 4" hidden="0"/>
+          <p:cNvSpPr>
+            <a:spLocks noGrp="1"/>
+          </p:cNvSpPr>
+          <p:nvPr isPhoto="0" userDrawn="0">
+            <p:ph type="ftr" sz="quarter" idx="11" hasCustomPrompt="0"/>
           </p:nvPr>
         </p:nvSpPr>
         <p:spPr bwMode="auto"/>
@@ -673,12 +674,12 @@
       </p:sp>
       <p:sp>
         <p:nvSpPr>
-          <p:cNvPr id="6" name="Номер слайда 5"/>
-          <p:cNvSpPr>
-            <a:spLocks noGrp="1"/>
-          </p:cNvSpPr>
-          <p:nvPr>
-            <p:ph type="sldNum" sz="quarter" idx="12"/>
+          <p:cNvPr id="8" name="Номер слайда 5" hidden="0"/>
+          <p:cNvSpPr>
+            <a:spLocks noGrp="1"/>
+          </p:cNvSpPr>
+          <p:nvPr isPhoto="0" userDrawn="0">
+            <p:ph type="sldNum" sz="quarter" idx="12" hasCustomPrompt="0"/>
           </p:nvPr>
         </p:nvSpPr>
         <p:spPr bwMode="auto"/>
@@ -710,9 +711,9 @@
   <p:cSld name="Заголовок и объект">
     <p:spTree>
       <p:nvGrpSpPr>
-        <p:cNvPr id="1" name=""/>
+        <p:cNvPr id="1" name="" hidden="0"/>
         <p:cNvGrpSpPr/>
-        <p:nvPr/>
+        <p:nvPr isPhoto="0" userDrawn="0"/>
       </p:nvGrpSpPr>
       <p:grpSpPr bwMode="auto">
         <a:xfrm>
@@ -724,12 +725,12 @@
       </p:grpSpPr>
       <p:sp>
         <p:nvSpPr>
-          <p:cNvPr id="2" name="Заголовок 1"/>
-          <p:cNvSpPr>
-            <a:spLocks noGrp="1"/>
-          </p:cNvSpPr>
-          <p:nvPr>
-            <p:ph type="title"/>
+          <p:cNvPr id="4" name="Заголовок 1" hidden="0"/>
+          <p:cNvSpPr>
+            <a:spLocks noGrp="1"/>
+          </p:cNvSpPr>
+          <p:nvPr isPhoto="0" userDrawn="0">
+            <p:ph type="title" hasCustomPrompt="0"/>
           </p:nvPr>
         </p:nvSpPr>
         <p:spPr bwMode="auto"/>
@@ -750,12 +751,12 @@
       </p:sp>
       <p:sp>
         <p:nvSpPr>
-          <p:cNvPr id="3" name="Объект 2"/>
-          <p:cNvSpPr>
-            <a:spLocks noGrp="1"/>
-          </p:cNvSpPr>
-          <p:nvPr>
-            <p:ph idx="1"/>
+          <p:cNvPr id="5" name="Объект 2" hidden="0"/>
+          <p:cNvSpPr>
+            <a:spLocks noGrp="1"/>
+          </p:cNvSpPr>
+          <p:nvPr isPhoto="0" userDrawn="0">
+            <p:ph idx="1" hasCustomPrompt="0"/>
           </p:nvPr>
         </p:nvSpPr>
         <p:spPr bwMode="auto"/>
@@ -816,12 +817,12 @@
       </p:sp>
       <p:sp>
         <p:nvSpPr>
-          <p:cNvPr id="4" name="Дата 3"/>
-          <p:cNvSpPr>
-            <a:spLocks noGrp="1"/>
-          </p:cNvSpPr>
-          <p:nvPr>
-            <p:ph type="dt" sz="half" idx="10"/>
+          <p:cNvPr id="6" name="Дата 3" hidden="0"/>
+          <p:cNvSpPr>
+            <a:spLocks noGrp="1"/>
+          </p:cNvSpPr>
+          <p:nvPr isPhoto="0" userDrawn="0">
+            <p:ph type="dt" sz="half" idx="10" hasCustomPrompt="0"/>
           </p:nvPr>
         </p:nvSpPr>
         <p:spPr bwMode="auto"/>
@@ -842,12 +843,12 @@
       </p:sp>
       <p:sp>
         <p:nvSpPr>
-          <p:cNvPr id="5" name="Нижний колонтитул 4"/>
-          <p:cNvSpPr>
-            <a:spLocks noGrp="1"/>
-          </p:cNvSpPr>
-          <p:nvPr>
-            <p:ph type="ftr" sz="quarter" idx="11"/>
+          <p:cNvPr id="7" name="Нижний колонтитул 4" hidden="0"/>
+          <p:cNvSpPr>
+            <a:spLocks noGrp="1"/>
+          </p:cNvSpPr>
+          <p:nvPr isPhoto="0" userDrawn="0">
+            <p:ph type="ftr" sz="quarter" idx="11" hasCustomPrompt="0"/>
           </p:nvPr>
         </p:nvSpPr>
         <p:spPr bwMode="auto"/>
@@ -864,12 +865,12 @@
       </p:sp>
       <p:sp>
         <p:nvSpPr>
-          <p:cNvPr id="6" name="Номер слайда 5"/>
-          <p:cNvSpPr>
-            <a:spLocks noGrp="1"/>
-          </p:cNvSpPr>
-          <p:nvPr>
-            <p:ph type="sldNum" sz="quarter" idx="12"/>
+          <p:cNvPr id="8" name="Номер слайда 5" hidden="0"/>
+          <p:cNvSpPr>
+            <a:spLocks noGrp="1"/>
+          </p:cNvSpPr>
+          <p:nvPr isPhoto="0" userDrawn="0">
+            <p:ph type="sldNum" sz="quarter" idx="12" hasCustomPrompt="0"/>
           </p:nvPr>
         </p:nvSpPr>
         <p:spPr bwMode="auto"/>
@@ -901,9 +902,9 @@
   <p:cSld name="Заголовок раздела">
     <p:spTree>
       <p:nvGrpSpPr>
-        <p:cNvPr id="1" name=""/>
+        <p:cNvPr id="1" name="" hidden="0"/>
         <p:cNvGrpSpPr/>
-        <p:nvPr/>
+        <p:nvPr isPhoto="0" userDrawn="0"/>
       </p:nvGrpSpPr>
       <p:grpSpPr bwMode="auto">
         <a:xfrm>
@@ -915,12 +916,12 @@
       </p:grpSpPr>
       <p:sp>
         <p:nvSpPr>
-          <p:cNvPr id="2" name="Заголовок 1"/>
-          <p:cNvSpPr>
-            <a:spLocks noGrp="1"/>
-          </p:cNvSpPr>
-          <p:nvPr>
-            <p:ph type="title"/>
+          <p:cNvPr id="4" name="Заголовок 1" hidden="0"/>
+          <p:cNvSpPr>
+            <a:spLocks noGrp="1"/>
+          </p:cNvSpPr>
+          <p:nvPr isPhoto="0" userDrawn="0">
+            <p:ph type="title" hasCustomPrompt="0"/>
           </p:nvPr>
         </p:nvSpPr>
         <p:spPr bwMode="auto">
@@ -950,12 +951,12 @@
       </p:sp>
       <p:sp>
         <p:nvSpPr>
-          <p:cNvPr id="3" name="Текст 2"/>
-          <p:cNvSpPr>
-            <a:spLocks noGrp="1"/>
-          </p:cNvSpPr>
-          <p:nvPr>
-            <p:ph type="body" idx="1"/>
+          <p:cNvPr id="5" name="Текст 2" hidden="0"/>
+          <p:cNvSpPr>
+            <a:spLocks noGrp="1"/>
+          </p:cNvSpPr>
+          <p:nvPr isPhoto="0" userDrawn="0">
+            <p:ph type="body" idx="1" hasCustomPrompt="0"/>
           </p:nvPr>
         </p:nvSpPr>
         <p:spPr bwMode="auto">
@@ -1072,12 +1073,12 @@
       </p:sp>
       <p:sp>
         <p:nvSpPr>
-          <p:cNvPr id="4" name="Дата 3"/>
-          <p:cNvSpPr>
-            <a:spLocks noGrp="1"/>
-          </p:cNvSpPr>
-          <p:nvPr>
-            <p:ph type="dt" sz="half" idx="10"/>
+          <p:cNvPr id="6" name="Дата 3" hidden="0"/>
+          <p:cNvSpPr>
+            <a:spLocks noGrp="1"/>
+          </p:cNvSpPr>
+          <p:nvPr isPhoto="0" userDrawn="0">
+            <p:ph type="dt" sz="half" idx="10" hasCustomPrompt="0"/>
           </p:nvPr>
         </p:nvSpPr>
         <p:spPr bwMode="auto"/>
@@ -1098,12 +1099,12 @@
       </p:sp>
       <p:sp>
         <p:nvSpPr>
-          <p:cNvPr id="5" name="Нижний колонтитул 4"/>
-          <p:cNvSpPr>
-            <a:spLocks noGrp="1"/>
-          </p:cNvSpPr>
-          <p:nvPr>
-            <p:ph type="ftr" sz="quarter" idx="11"/>
+          <p:cNvPr id="7" name="Нижний колонтитул 4" hidden="0"/>
+          <p:cNvSpPr>
+            <a:spLocks noGrp="1"/>
+          </p:cNvSpPr>
+          <p:nvPr isPhoto="0" userDrawn="0">
+            <p:ph type="ftr" sz="quarter" idx="11" hasCustomPrompt="0"/>
           </p:nvPr>
         </p:nvSpPr>
         <p:spPr bwMode="auto"/>
@@ -1120,12 +1121,12 @@
       </p:sp>
       <p:sp>
         <p:nvSpPr>
-          <p:cNvPr id="6" name="Номер слайда 5"/>
-          <p:cNvSpPr>
-            <a:spLocks noGrp="1"/>
-          </p:cNvSpPr>
-          <p:nvPr>
-            <p:ph type="sldNum" sz="quarter" idx="12"/>
+          <p:cNvPr id="8" name="Номер слайда 5" hidden="0"/>
+          <p:cNvSpPr>
+            <a:spLocks noGrp="1"/>
+          </p:cNvSpPr>
+          <p:nvPr isPhoto="0" userDrawn="0">
+            <p:ph type="sldNum" sz="quarter" idx="12" hasCustomPrompt="0"/>
           </p:nvPr>
         </p:nvSpPr>
         <p:spPr bwMode="auto"/>
@@ -1157,9 +1158,9 @@
   <p:cSld name="Два объекта">
     <p:spTree>
       <p:nvGrpSpPr>
-        <p:cNvPr id="1" name=""/>
+        <p:cNvPr id="1" name="" hidden="0"/>
         <p:cNvGrpSpPr/>
-        <p:nvPr/>
+        <p:nvPr isPhoto="0" userDrawn="0"/>
       </p:nvGrpSpPr>
       <p:grpSpPr bwMode="auto">
         <a:xfrm>
@@ -1171,12 +1172,12 @@
       </p:grpSpPr>
       <p:sp>
         <p:nvSpPr>
-          <p:cNvPr id="2" name="Заголовок 1"/>
-          <p:cNvSpPr>
-            <a:spLocks noGrp="1"/>
-          </p:cNvSpPr>
-          <p:nvPr>
-            <p:ph type="title"/>
+          <p:cNvPr id="4" name="Заголовок 1" hidden="0"/>
+          <p:cNvSpPr>
+            <a:spLocks noGrp="1"/>
+          </p:cNvSpPr>
+          <p:nvPr isPhoto="0" userDrawn="0">
+            <p:ph type="title" hasCustomPrompt="0"/>
           </p:nvPr>
         </p:nvSpPr>
         <p:spPr bwMode="auto"/>
@@ -1197,12 +1198,12 @@
       </p:sp>
       <p:sp>
         <p:nvSpPr>
-          <p:cNvPr id="3" name="Объект 2"/>
-          <p:cNvSpPr>
-            <a:spLocks noGrp="1"/>
-          </p:cNvSpPr>
-          <p:nvPr>
-            <p:ph sz="half" idx="1"/>
+          <p:cNvPr id="5" name="Объект 2" hidden="0"/>
+          <p:cNvSpPr>
+            <a:spLocks noGrp="1"/>
+          </p:cNvSpPr>
+          <p:nvPr isPhoto="0" userDrawn="0">
+            <p:ph sz="half" idx="1" hasCustomPrompt="0"/>
           </p:nvPr>
         </p:nvSpPr>
         <p:spPr bwMode="auto">
@@ -1268,12 +1269,12 @@
       </p:sp>
       <p:sp>
         <p:nvSpPr>
-          <p:cNvPr id="4" name="Объект 3"/>
-          <p:cNvSpPr>
-            <a:spLocks noGrp="1"/>
-          </p:cNvSpPr>
-          <p:nvPr>
-            <p:ph sz="half" idx="2"/>
+          <p:cNvPr id="6" name="Объект 3" hidden="0"/>
+          <p:cNvSpPr>
+            <a:spLocks noGrp="1"/>
+          </p:cNvSpPr>
+          <p:nvPr isPhoto="0" userDrawn="0">
+            <p:ph sz="half" idx="2" hasCustomPrompt="0"/>
           </p:nvPr>
         </p:nvSpPr>
         <p:spPr bwMode="auto">
@@ -1339,12 +1340,12 @@
       </p:sp>
       <p:sp>
         <p:nvSpPr>
-          <p:cNvPr id="5" name="Дата 4"/>
-          <p:cNvSpPr>
-            <a:spLocks noGrp="1"/>
-          </p:cNvSpPr>
-          <p:nvPr>
-            <p:ph type="dt" sz="half" idx="10"/>
+          <p:cNvPr id="7" name="Дата 4" hidden="0"/>
+          <p:cNvSpPr>
+            <a:spLocks noGrp="1"/>
+          </p:cNvSpPr>
+          <p:nvPr isPhoto="0" userDrawn="0">
+            <p:ph type="dt" sz="half" idx="10" hasCustomPrompt="0"/>
           </p:nvPr>
         </p:nvSpPr>
         <p:spPr bwMode="auto"/>
@@ -1365,12 +1366,12 @@
       </p:sp>
       <p:sp>
         <p:nvSpPr>
-          <p:cNvPr id="6" name="Нижний колонтитул 5"/>
-          <p:cNvSpPr>
-            <a:spLocks noGrp="1"/>
-          </p:cNvSpPr>
-          <p:nvPr>
-            <p:ph type="ftr" sz="quarter" idx="11"/>
+          <p:cNvPr id="8" name="Нижний колонтитул 5" hidden="0"/>
+          <p:cNvSpPr>
+            <a:spLocks noGrp="1"/>
+          </p:cNvSpPr>
+          <p:nvPr isPhoto="0" userDrawn="0">
+            <p:ph type="ftr" sz="quarter" idx="11" hasCustomPrompt="0"/>
           </p:nvPr>
         </p:nvSpPr>
         <p:spPr bwMode="auto"/>
@@ -1387,12 +1388,12 @@
       </p:sp>
       <p:sp>
         <p:nvSpPr>
-          <p:cNvPr id="7" name="Номер слайда 6"/>
-          <p:cNvSpPr>
-            <a:spLocks noGrp="1"/>
-          </p:cNvSpPr>
-          <p:nvPr>
-            <p:ph type="sldNum" sz="quarter" idx="12"/>
+          <p:cNvPr id="9" name="Номер слайда 6" hidden="0"/>
+          <p:cNvSpPr>
+            <a:spLocks noGrp="1"/>
+          </p:cNvSpPr>
+          <p:nvPr isPhoto="0" userDrawn="0">
+            <p:ph type="sldNum" sz="quarter" idx="12" hasCustomPrompt="0"/>
           </p:nvPr>
         </p:nvSpPr>
         <p:spPr bwMode="auto"/>
@@ -1424,9 +1425,9 @@
   <p:cSld name="Сравнение">
     <p:spTree>
       <p:nvGrpSpPr>
-        <p:cNvPr id="1" name=""/>
+        <p:cNvPr id="1" name="" hidden="0"/>
         <p:cNvGrpSpPr/>
-        <p:nvPr/>
+        <p:nvPr isPhoto="0" userDrawn="0"/>
       </p:nvGrpSpPr>
       <p:grpSpPr bwMode="auto">
         <a:xfrm>
@@ -1438,12 +1439,12 @@
       </p:grpSpPr>
       <p:sp>
         <p:nvSpPr>
-          <p:cNvPr id="2" name="Заголовок 1"/>
-          <p:cNvSpPr>
-            <a:spLocks noGrp="1"/>
-          </p:cNvSpPr>
-          <p:nvPr>
-            <p:ph type="title"/>
+          <p:cNvPr id="4" name="Заголовок 1" hidden="0"/>
+          <p:cNvSpPr>
+            <a:spLocks noGrp="1"/>
+          </p:cNvSpPr>
+          <p:nvPr isPhoto="0" userDrawn="0">
+            <p:ph type="title" hasCustomPrompt="0"/>
           </p:nvPr>
         </p:nvSpPr>
         <p:spPr bwMode="auto">
@@ -1469,12 +1470,12 @@
       </p:sp>
       <p:sp>
         <p:nvSpPr>
-          <p:cNvPr id="3" name="Текст 2"/>
-          <p:cNvSpPr>
-            <a:spLocks noGrp="1"/>
-          </p:cNvSpPr>
-          <p:nvPr>
-            <p:ph type="body" idx="1"/>
+          <p:cNvPr id="5" name="Текст 2" hidden="0"/>
+          <p:cNvSpPr>
+            <a:spLocks noGrp="1"/>
+          </p:cNvSpPr>
+          <p:nvPr isPhoto="0" userDrawn="0">
+            <p:ph type="body" idx="1" hasCustomPrompt="0"/>
           </p:nvPr>
         </p:nvSpPr>
         <p:spPr bwMode="auto">
@@ -1537,12 +1538,12 @@
       </p:sp>
       <p:sp>
         <p:nvSpPr>
-          <p:cNvPr id="4" name="Объект 3"/>
-          <p:cNvSpPr>
-            <a:spLocks noGrp="1"/>
-          </p:cNvSpPr>
-          <p:nvPr>
-            <p:ph sz="half" idx="2"/>
+          <p:cNvPr id="6" name="Объект 3" hidden="0"/>
+          <p:cNvSpPr>
+            <a:spLocks noGrp="1"/>
+          </p:cNvSpPr>
+          <p:nvPr isPhoto="0" userDrawn="0">
+            <p:ph sz="half" idx="2" hasCustomPrompt="0"/>
           </p:nvPr>
         </p:nvSpPr>
         <p:spPr bwMode="auto">
@@ -1608,12 +1609,12 @@
       </p:sp>
       <p:sp>
         <p:nvSpPr>
-          <p:cNvPr id="5" name="Текст 4"/>
-          <p:cNvSpPr>
-            <a:spLocks noGrp="1"/>
-          </p:cNvSpPr>
-          <p:nvPr>
-            <p:ph type="body" sz="quarter" idx="3"/>
+          <p:cNvPr id="7" name="Текст 4" hidden="0"/>
+          <p:cNvSpPr>
+            <a:spLocks noGrp="1"/>
+          </p:cNvSpPr>
+          <p:nvPr isPhoto="0" userDrawn="0">
+            <p:ph type="body" sz="quarter" idx="3" hasCustomPrompt="0"/>
           </p:nvPr>
         </p:nvSpPr>
         <p:spPr bwMode="auto">
@@ -1676,12 +1677,12 @@
       </p:sp>
       <p:sp>
         <p:nvSpPr>
-          <p:cNvPr id="6" name="Объект 5"/>
-          <p:cNvSpPr>
-            <a:spLocks noGrp="1"/>
-          </p:cNvSpPr>
-          <p:nvPr>
-            <p:ph sz="quarter" idx="4"/>
+          <p:cNvPr id="8" name="Объект 5" hidden="0"/>
+          <p:cNvSpPr>
+            <a:spLocks noGrp="1"/>
+          </p:cNvSpPr>
+          <p:nvPr isPhoto="0" userDrawn="0">
+            <p:ph sz="quarter" idx="4" hasCustomPrompt="0"/>
           </p:nvPr>
         </p:nvSpPr>
         <p:spPr bwMode="auto">
@@ -1747,12 +1748,12 @@
       </p:sp>
       <p:sp>
         <p:nvSpPr>
-          <p:cNvPr id="7" name="Дата 6"/>
-          <p:cNvSpPr>
-            <a:spLocks noGrp="1"/>
-          </p:cNvSpPr>
-          <p:nvPr>
-            <p:ph type="dt" sz="half" idx="10"/>
+          <p:cNvPr id="9" name="Дата 6" hidden="0"/>
+          <p:cNvSpPr>
+            <a:spLocks noGrp="1"/>
+          </p:cNvSpPr>
+          <p:nvPr isPhoto="0" userDrawn="0">
+            <p:ph type="dt" sz="half" idx="10" hasCustomPrompt="0"/>
           </p:nvPr>
         </p:nvSpPr>
         <p:spPr bwMode="auto"/>
@@ -1773,12 +1774,12 @@
       </p:sp>
       <p:sp>
         <p:nvSpPr>
-          <p:cNvPr id="8" name="Нижний колонтитул 7"/>
-          <p:cNvSpPr>
-            <a:spLocks noGrp="1"/>
-          </p:cNvSpPr>
-          <p:nvPr>
-            <p:ph type="ftr" sz="quarter" idx="11"/>
+          <p:cNvPr id="10" name="Нижний колонтитул 7" hidden="0"/>
+          <p:cNvSpPr>
+            <a:spLocks noGrp="1"/>
+          </p:cNvSpPr>
+          <p:nvPr isPhoto="0" userDrawn="0">
+            <p:ph type="ftr" sz="quarter" idx="11" hasCustomPrompt="0"/>
           </p:nvPr>
         </p:nvSpPr>
         <p:spPr bwMode="auto"/>
@@ -1795,12 +1796,12 @@
       </p:sp>
       <p:sp>
         <p:nvSpPr>
-          <p:cNvPr id="9" name="Номер слайда 8"/>
-          <p:cNvSpPr>
-            <a:spLocks noGrp="1"/>
-          </p:cNvSpPr>
-          <p:nvPr>
-            <p:ph type="sldNum" sz="quarter" idx="12"/>
+          <p:cNvPr id="11" name="Номер слайда 8" hidden="0"/>
+          <p:cNvSpPr>
+            <a:spLocks noGrp="1"/>
+          </p:cNvSpPr>
+          <p:nvPr isPhoto="0" userDrawn="0">
+            <p:ph type="sldNum" sz="quarter" idx="12" hasCustomPrompt="0"/>
           </p:nvPr>
         </p:nvSpPr>
         <p:spPr bwMode="auto"/>
@@ -1832,9 +1833,9 @@
   <p:cSld name="Только заголовок">
     <p:spTree>
       <p:nvGrpSpPr>
-        <p:cNvPr id="1" name=""/>
+        <p:cNvPr id="1" name="" hidden="0"/>
         <p:cNvGrpSpPr/>
-        <p:nvPr/>
+        <p:nvPr isPhoto="0" userDrawn="0"/>
       </p:nvGrpSpPr>
       <p:grpSpPr bwMode="auto">
         <a:xfrm>
@@ -1846,12 +1847,12 @@
       </p:grpSpPr>
       <p:sp>
         <p:nvSpPr>
-          <p:cNvPr id="2" name="Заголовок 1"/>
-          <p:cNvSpPr>
-            <a:spLocks noGrp="1"/>
-          </p:cNvSpPr>
-          <p:nvPr>
-            <p:ph type="title"/>
+          <p:cNvPr id="4" name="Заголовок 1" hidden="0"/>
+          <p:cNvSpPr>
+            <a:spLocks noGrp="1"/>
+          </p:cNvSpPr>
+          <p:nvPr isPhoto="0" userDrawn="0">
+            <p:ph type="title" hasCustomPrompt="0"/>
           </p:nvPr>
         </p:nvSpPr>
         <p:spPr bwMode="auto"/>
@@ -1872,12 +1873,12 @@
       </p:sp>
       <p:sp>
         <p:nvSpPr>
-          <p:cNvPr id="3" name="Дата 2"/>
-          <p:cNvSpPr>
-            <a:spLocks noGrp="1"/>
-          </p:cNvSpPr>
-          <p:nvPr>
-            <p:ph type="dt" sz="half" idx="10"/>
+          <p:cNvPr id="5" name="Дата 2" hidden="0"/>
+          <p:cNvSpPr>
+            <a:spLocks noGrp="1"/>
+          </p:cNvSpPr>
+          <p:nvPr isPhoto="0" userDrawn="0">
+            <p:ph type="dt" sz="half" idx="10" hasCustomPrompt="0"/>
           </p:nvPr>
         </p:nvSpPr>
         <p:spPr bwMode="auto"/>
@@ -1898,12 +1899,12 @@
       </p:sp>
       <p:sp>
         <p:nvSpPr>
-          <p:cNvPr id="4" name="Нижний колонтитул 3"/>
-          <p:cNvSpPr>
-            <a:spLocks noGrp="1"/>
-          </p:cNvSpPr>
-          <p:nvPr>
-            <p:ph type="ftr" sz="quarter" idx="11"/>
+          <p:cNvPr id="6" name="Нижний колонтитул 3" hidden="0"/>
+          <p:cNvSpPr>
+            <a:spLocks noGrp="1"/>
+          </p:cNvSpPr>
+          <p:nvPr isPhoto="0" userDrawn="0">
+            <p:ph type="ftr" sz="quarter" idx="11" hasCustomPrompt="0"/>
           </p:nvPr>
         </p:nvSpPr>
         <p:spPr bwMode="auto"/>
@@ -1920,12 +1921,12 @@
       </p:sp>
       <p:sp>
         <p:nvSpPr>
-          <p:cNvPr id="5" name="Номер слайда 4"/>
-          <p:cNvSpPr>
-            <a:spLocks noGrp="1"/>
-          </p:cNvSpPr>
-          <p:nvPr>
-            <p:ph type="sldNum" sz="quarter" idx="12"/>
+          <p:cNvPr id="7" name="Номер слайда 4" hidden="0"/>
+          <p:cNvSpPr>
+            <a:spLocks noGrp="1"/>
+          </p:cNvSpPr>
+          <p:nvPr isPhoto="0" userDrawn="0">
+            <p:ph type="sldNum" sz="quarter" idx="12" hasCustomPrompt="0"/>
           </p:nvPr>
         </p:nvSpPr>
         <p:spPr bwMode="auto"/>
@@ -1957,9 +1958,9 @@
   <p:cSld name="Пустой слайд">
     <p:spTree>
       <p:nvGrpSpPr>
-        <p:cNvPr id="1" name=""/>
+        <p:cNvPr id="1" name="" hidden="0"/>
         <p:cNvGrpSpPr/>
-        <p:nvPr/>
+        <p:nvPr isPhoto="0" userDrawn="0"/>
       </p:nvGrpSpPr>
       <p:grpSpPr bwMode="auto">
         <a:xfrm>
@@ -1971,12 +1972,12 @@
       </p:grpSpPr>
       <p:sp>
         <p:nvSpPr>
-          <p:cNvPr id="2" name="Дата 1"/>
-          <p:cNvSpPr>
-            <a:spLocks noGrp="1"/>
-          </p:cNvSpPr>
-          <p:nvPr>
-            <p:ph type="dt" sz="half" idx="10"/>
+          <p:cNvPr id="4" name="Дата 1" hidden="0"/>
+          <p:cNvSpPr>
+            <a:spLocks noGrp="1"/>
+          </p:cNvSpPr>
+          <p:nvPr isPhoto="0" userDrawn="0">
+            <p:ph type="dt" sz="half" idx="10" hasCustomPrompt="0"/>
           </p:nvPr>
         </p:nvSpPr>
         <p:spPr bwMode="auto"/>
@@ -1997,12 +1998,12 @@
       </p:sp>
       <p:sp>
         <p:nvSpPr>
-          <p:cNvPr id="3" name="Нижний колонтитул 2"/>
-          <p:cNvSpPr>
-            <a:spLocks noGrp="1"/>
-          </p:cNvSpPr>
-          <p:nvPr>
-            <p:ph type="ftr" sz="quarter" idx="11"/>
+          <p:cNvPr id="5" name="Нижний колонтитул 2" hidden="0"/>
+          <p:cNvSpPr>
+            <a:spLocks noGrp="1"/>
+          </p:cNvSpPr>
+          <p:nvPr isPhoto="0" userDrawn="0">
+            <p:ph type="ftr" sz="quarter" idx="11" hasCustomPrompt="0"/>
           </p:nvPr>
         </p:nvSpPr>
         <p:spPr bwMode="auto"/>
@@ -2019,12 +2020,12 @@
       </p:sp>
       <p:sp>
         <p:nvSpPr>
-          <p:cNvPr id="4" name="Номер слайда 3"/>
-          <p:cNvSpPr>
-            <a:spLocks noGrp="1"/>
-          </p:cNvSpPr>
-          <p:nvPr>
-            <p:ph type="sldNum" sz="quarter" idx="12"/>
+          <p:cNvPr id="6" name="Номер слайда 3" hidden="0"/>
+          <p:cNvSpPr>
+            <a:spLocks noGrp="1"/>
+          </p:cNvSpPr>
+          <p:nvPr isPhoto="0" userDrawn="0">
+            <p:ph type="sldNum" sz="quarter" idx="12" hasCustomPrompt="0"/>
           </p:nvPr>
         </p:nvSpPr>
         <p:spPr bwMode="auto"/>
@@ -2056,9 +2057,9 @@
   <p:cSld name="Объект с подписью">
     <p:spTree>
       <p:nvGrpSpPr>
-        <p:cNvPr id="1" name=""/>
+        <p:cNvPr id="1" name="" hidden="0"/>
         <p:cNvGrpSpPr/>
-        <p:nvPr/>
+        <p:nvPr isPhoto="0" userDrawn="0"/>
       </p:nvGrpSpPr>
       <p:grpSpPr bwMode="auto">
         <a:xfrm>
@@ -2070,12 +2071,12 @@
       </p:grpSpPr>
       <p:sp>
         <p:nvSpPr>
-          <p:cNvPr id="2" name="Заголовок 1"/>
-          <p:cNvSpPr>
-            <a:spLocks noGrp="1"/>
-          </p:cNvSpPr>
-          <p:nvPr>
-            <p:ph type="title"/>
+          <p:cNvPr id="4" name="Заголовок 1" hidden="0"/>
+          <p:cNvSpPr>
+            <a:spLocks noGrp="1"/>
+          </p:cNvSpPr>
+          <p:nvPr isPhoto="0" userDrawn="0">
+            <p:ph type="title" hasCustomPrompt="0"/>
           </p:nvPr>
         </p:nvSpPr>
         <p:spPr bwMode="auto">
@@ -2105,12 +2106,12 @@
       </p:sp>
       <p:sp>
         <p:nvSpPr>
-          <p:cNvPr id="3" name="Объект 2"/>
-          <p:cNvSpPr>
-            <a:spLocks noGrp="1"/>
-          </p:cNvSpPr>
-          <p:nvPr>
-            <p:ph idx="1"/>
+          <p:cNvPr id="5" name="Объект 2" hidden="0"/>
+          <p:cNvSpPr>
+            <a:spLocks noGrp="1"/>
+          </p:cNvSpPr>
+          <p:nvPr isPhoto="0" userDrawn="0">
+            <p:ph idx="1" hasCustomPrompt="0"/>
           </p:nvPr>
         </p:nvSpPr>
         <p:spPr bwMode="auto">
@@ -2204,12 +2205,12 @@
       </p:sp>
       <p:sp>
         <p:nvSpPr>
-          <p:cNvPr id="4" name="Текст 3"/>
-          <p:cNvSpPr>
-            <a:spLocks noGrp="1"/>
-          </p:cNvSpPr>
-          <p:nvPr>
-            <p:ph type="body" sz="half" idx="2"/>
+          <p:cNvPr id="6" name="Текст 3" hidden="0"/>
+          <p:cNvSpPr>
+            <a:spLocks noGrp="1"/>
+          </p:cNvSpPr>
+          <p:nvPr isPhoto="0" userDrawn="0">
+            <p:ph type="body" sz="half" idx="2" hasCustomPrompt="0"/>
           </p:nvPr>
         </p:nvSpPr>
         <p:spPr bwMode="auto">
@@ -2272,12 +2273,12 @@
       </p:sp>
       <p:sp>
         <p:nvSpPr>
-          <p:cNvPr id="5" name="Дата 4"/>
-          <p:cNvSpPr>
-            <a:spLocks noGrp="1"/>
-          </p:cNvSpPr>
-          <p:nvPr>
-            <p:ph type="dt" sz="half" idx="10"/>
+          <p:cNvPr id="7" name="Дата 4" hidden="0"/>
+          <p:cNvSpPr>
+            <a:spLocks noGrp="1"/>
+          </p:cNvSpPr>
+          <p:nvPr isPhoto="0" userDrawn="0">
+            <p:ph type="dt" sz="half" idx="10" hasCustomPrompt="0"/>
           </p:nvPr>
         </p:nvSpPr>
         <p:spPr bwMode="auto"/>
@@ -2298,12 +2299,12 @@
       </p:sp>
       <p:sp>
         <p:nvSpPr>
-          <p:cNvPr id="6" name="Нижний колонтитул 5"/>
-          <p:cNvSpPr>
-            <a:spLocks noGrp="1"/>
-          </p:cNvSpPr>
-          <p:nvPr>
-            <p:ph type="ftr" sz="quarter" idx="11"/>
+          <p:cNvPr id="8" name="Нижний колонтитул 5" hidden="0"/>
+          <p:cNvSpPr>
+            <a:spLocks noGrp="1"/>
+          </p:cNvSpPr>
+          <p:nvPr isPhoto="0" userDrawn="0">
+            <p:ph type="ftr" sz="quarter" idx="11" hasCustomPrompt="0"/>
           </p:nvPr>
         </p:nvSpPr>
         <p:spPr bwMode="auto"/>
@@ -2320,12 +2321,12 @@
       </p:sp>
       <p:sp>
         <p:nvSpPr>
-          <p:cNvPr id="7" name="Номер слайда 6"/>
-          <p:cNvSpPr>
-            <a:spLocks noGrp="1"/>
-          </p:cNvSpPr>
-          <p:nvPr>
-            <p:ph type="sldNum" sz="quarter" idx="12"/>
+          <p:cNvPr id="9" name="Номер слайда 6" hidden="0"/>
+          <p:cNvSpPr>
+            <a:spLocks noGrp="1"/>
+          </p:cNvSpPr>
+          <p:nvPr isPhoto="0" userDrawn="0">
+            <p:ph type="sldNum" sz="quarter" idx="12" hasCustomPrompt="0"/>
           </p:nvPr>
         </p:nvSpPr>
         <p:spPr bwMode="auto"/>
@@ -2357,9 +2358,9 @@
   <p:cSld name="Рисунок с подписью">
     <p:spTree>
       <p:nvGrpSpPr>
-        <p:cNvPr id="1" name=""/>
+        <p:cNvPr id="1" name="" hidden="0"/>
         <p:cNvGrpSpPr/>
-        <p:nvPr/>
+        <p:nvPr isPhoto="0" userDrawn="0"/>
       </p:nvGrpSpPr>
       <p:grpSpPr bwMode="auto">
         <a:xfrm>
@@ -2371,12 +2372,12 @@
       </p:grpSpPr>
       <p:sp>
         <p:nvSpPr>
-          <p:cNvPr id="2" name="Заголовок 1"/>
-          <p:cNvSpPr>
-            <a:spLocks noGrp="1"/>
-          </p:cNvSpPr>
-          <p:nvPr>
-            <p:ph type="title"/>
+          <p:cNvPr id="4" name="Заголовок 1" hidden="0"/>
+          <p:cNvSpPr>
+            <a:spLocks noGrp="1"/>
+          </p:cNvSpPr>
+          <p:nvPr isPhoto="0" userDrawn="0">
+            <p:ph type="title" hasCustomPrompt="0"/>
           </p:nvPr>
         </p:nvSpPr>
         <p:spPr bwMode="auto">
@@ -2406,12 +2407,12 @@
       </p:sp>
       <p:sp>
         <p:nvSpPr>
-          <p:cNvPr id="3" name="Рисунок 2"/>
+          <p:cNvPr id="5" name="Рисунок 2" hidden="0"/>
           <p:cNvSpPr>
             <a:spLocks noChangeAspect="1" noGrp="1"/>
           </p:cNvSpPr>
-          <p:nvPr>
-            <p:ph type="pic" idx="1"/>
+          <p:nvPr isPhoto="0" userDrawn="0">
+            <p:ph type="pic" idx="1" hasCustomPrompt="0"/>
           </p:nvPr>
         </p:nvSpPr>
         <p:spPr bwMode="auto">
@@ -2474,12 +2475,12 @@
       </p:sp>
       <p:sp>
         <p:nvSpPr>
-          <p:cNvPr id="4" name="Текст 3"/>
-          <p:cNvSpPr>
-            <a:spLocks noGrp="1"/>
-          </p:cNvSpPr>
-          <p:nvPr>
-            <p:ph type="body" sz="half" idx="2"/>
+          <p:cNvPr id="6" name="Текст 3" hidden="0"/>
+          <p:cNvSpPr>
+            <a:spLocks noGrp="1"/>
+          </p:cNvSpPr>
+          <p:nvPr isPhoto="0" userDrawn="0">
+            <p:ph type="body" sz="half" idx="2" hasCustomPrompt="0"/>
           </p:nvPr>
         </p:nvSpPr>
         <p:spPr bwMode="auto">
@@ -2542,12 +2543,12 @@
       </p:sp>
       <p:sp>
         <p:nvSpPr>
-          <p:cNvPr id="5" name="Дата 4"/>
-          <p:cNvSpPr>
-            <a:spLocks noGrp="1"/>
-          </p:cNvSpPr>
-          <p:nvPr>
-            <p:ph type="dt" sz="half" idx="10"/>
+          <p:cNvPr id="7" name="Дата 4" hidden="0"/>
+          <p:cNvSpPr>
+            <a:spLocks noGrp="1"/>
+          </p:cNvSpPr>
+          <p:nvPr isPhoto="0" userDrawn="0">
+            <p:ph type="dt" sz="half" idx="10" hasCustomPrompt="0"/>
           </p:nvPr>
         </p:nvSpPr>
         <p:spPr bwMode="auto"/>
@@ -2568,12 +2569,12 @@
       </p:sp>
       <p:sp>
         <p:nvSpPr>
-          <p:cNvPr id="6" name="Нижний колонтитул 5"/>
-          <p:cNvSpPr>
-            <a:spLocks noGrp="1"/>
-          </p:cNvSpPr>
-          <p:nvPr>
-            <p:ph type="ftr" sz="quarter" idx="11"/>
+          <p:cNvPr id="8" name="Нижний колонтитул 5" hidden="0"/>
+          <p:cNvSpPr>
+            <a:spLocks noGrp="1"/>
+          </p:cNvSpPr>
+          <p:nvPr isPhoto="0" userDrawn="0">
+            <p:ph type="ftr" sz="quarter" idx="11" hasCustomPrompt="0"/>
           </p:nvPr>
         </p:nvSpPr>
         <p:spPr bwMode="auto"/>
@@ -2590,12 +2591,12 @@
       </p:sp>
       <p:sp>
         <p:nvSpPr>
-          <p:cNvPr id="7" name="Номер слайда 6"/>
-          <p:cNvSpPr>
-            <a:spLocks noGrp="1"/>
-          </p:cNvSpPr>
-          <p:nvPr>
-            <p:ph type="sldNum" sz="quarter" idx="12"/>
+          <p:cNvPr id="9" name="Номер слайда 6" hidden="0"/>
+          <p:cNvSpPr>
+            <a:spLocks noGrp="1"/>
+          </p:cNvSpPr>
+          <p:nvPr isPhoto="0" userDrawn="0">
+            <p:ph type="sldNum" sz="quarter" idx="12" hasCustomPrompt="0"/>
           </p:nvPr>
         </p:nvSpPr>
         <p:spPr bwMode="auto"/>
@@ -2632,9 +2633,9 @@
     </p:bg>
     <p:spTree>
       <p:nvGrpSpPr>
-        <p:cNvPr id="1" name=""/>
+        <p:cNvPr id="1" name="" hidden="0"/>
         <p:cNvGrpSpPr/>
-        <p:nvPr/>
+        <p:nvPr isPhoto="0" userDrawn="0"/>
       </p:nvGrpSpPr>
       <p:grpSpPr bwMode="auto">
         <a:xfrm>
@@ -2646,12 +2647,12 @@
       </p:grpSpPr>
       <p:sp>
         <p:nvSpPr>
-          <p:cNvPr id="2" name="Title Placeholder 1"/>
-          <p:cNvSpPr>
-            <a:spLocks noGrp="1"/>
-          </p:cNvSpPr>
-          <p:nvPr>
-            <p:ph type="title"/>
+          <p:cNvPr id="4" name="Title Placeholder 1" hidden="0"/>
+          <p:cNvSpPr>
+            <a:spLocks noGrp="1"/>
+          </p:cNvSpPr>
+          <p:nvPr isPhoto="0" userDrawn="0">
+            <p:ph type="title" hasCustomPrompt="0"/>
           </p:nvPr>
         </p:nvSpPr>
         <p:spPr bwMode="auto">
@@ -2682,12 +2683,12 @@
       </p:sp>
       <p:sp>
         <p:nvSpPr>
-          <p:cNvPr id="3" name="Text Placeholder 2"/>
-          <p:cNvSpPr>
-            <a:spLocks noGrp="1"/>
-          </p:cNvSpPr>
-          <p:nvPr>
-            <p:ph type="body" idx="1"/>
+          <p:cNvPr id="5" name="Text Placeholder 2" hidden="0"/>
+          <p:cNvSpPr>
+            <a:spLocks noGrp="1"/>
+          </p:cNvSpPr>
+          <p:nvPr isPhoto="0" userDrawn="0">
+            <p:ph type="body" idx="1" hasCustomPrompt="0"/>
           </p:nvPr>
         </p:nvSpPr>
         <p:spPr bwMode="auto">
@@ -2758,12 +2759,12 @@
       </p:sp>
       <p:sp>
         <p:nvSpPr>
-          <p:cNvPr id="4" name="Date Placeholder 3"/>
-          <p:cNvSpPr>
-            <a:spLocks noGrp="1"/>
-          </p:cNvSpPr>
-          <p:nvPr>
-            <p:ph type="dt" sz="half" idx="2"/>
+          <p:cNvPr id="6" name="Date Placeholder 3" hidden="0"/>
+          <p:cNvSpPr>
+            <a:spLocks noGrp="1"/>
+          </p:cNvSpPr>
+          <p:nvPr isPhoto="0" userDrawn="0">
+            <p:ph type="dt" sz="half" idx="2" hasCustomPrompt="0"/>
           </p:nvPr>
         </p:nvSpPr>
         <p:spPr bwMode="auto">
@@ -2802,12 +2803,12 @@
       </p:sp>
       <p:sp>
         <p:nvSpPr>
-          <p:cNvPr id="5" name="Footer Placeholder 4"/>
-          <p:cNvSpPr>
-            <a:spLocks noGrp="1"/>
-          </p:cNvSpPr>
-          <p:nvPr>
-            <p:ph type="ftr" sz="quarter" idx="3"/>
+          <p:cNvPr id="7" name="Footer Placeholder 4" hidden="0"/>
+          <p:cNvSpPr>
+            <a:spLocks noGrp="1"/>
+          </p:cNvSpPr>
+          <p:nvPr isPhoto="0" userDrawn="0">
+            <p:ph type="ftr" sz="quarter" idx="3" hasCustomPrompt="0"/>
           </p:nvPr>
         </p:nvSpPr>
         <p:spPr bwMode="auto">
@@ -2842,12 +2843,12 @@
       </p:sp>
       <p:sp>
         <p:nvSpPr>
-          <p:cNvPr id="6" name="Slide Number Placeholder 5"/>
-          <p:cNvSpPr>
-            <a:spLocks noGrp="1"/>
-          </p:cNvSpPr>
-          <p:nvPr>
-            <p:ph type="sldNum" sz="quarter" idx="4"/>
+          <p:cNvPr id="8" name="Slide Number Placeholder 5" hidden="0"/>
+          <p:cNvSpPr>
+            <a:spLocks noGrp="1"/>
+          </p:cNvSpPr>
+          <p:nvPr isPhoto="0" userDrawn="0">
+            <p:ph type="sldNum" sz="quarter" idx="4" hasCustomPrompt="0"/>
           </p:nvPr>
         </p:nvSpPr>
         <p:spPr bwMode="auto">
@@ -2886,7 +2887,7 @@
       </p:sp>
     </p:spTree>
   </p:cSld>
-  <p:clrMap bg1="lt1" tx1="dk1" bg2="lt2" tx2="dk2" accent1="accent1" accent2="accent2" accent3="accent3" accent4="accent4" accent5="accent5" accent6="accent6" hlink="hlink" folHlink="folHlink"/>
+  <p:clrMap accent1="accent1" accent2="accent2" accent3="accent3" accent4="accent4" accent5="accent5" accent6="accent6" bg1="lt1" bg2="lt2" folHlink="folHlink" hlink="hlink" tx1="dk1" tx2="dk2"/>
   <p:sldLayoutIdLst>
     <p:sldLayoutId id="2147483649" r:id="rId1"/>
     <p:sldLayoutId id="2147483650" r:id="rId2"/>
@@ -3188,9 +3189,9 @@
   <p:cSld name="">
     <p:spTree>
       <p:nvGrpSpPr>
-        <p:cNvPr id="1" name=""/>
+        <p:cNvPr id="1" name="" hidden="0"/>
         <p:cNvGrpSpPr/>
-        <p:nvPr/>
+        <p:nvPr isPhoto="0" userDrawn="0"/>
       </p:nvGrpSpPr>
       <p:grpSpPr bwMode="auto">
         <a:xfrm>
@@ -3202,12 +3203,12 @@
       </p:grpSpPr>
       <p:sp>
         <p:nvSpPr>
-          <p:cNvPr id="2" name="Title 1"/>
-          <p:cNvSpPr>
-            <a:spLocks noGrp="1"/>
-          </p:cNvSpPr>
-          <p:nvPr>
-            <p:ph type="ctrTitle"/>
+          <p:cNvPr id="4" name="Title 1" hidden="0"/>
+          <p:cNvSpPr>
+            <a:spLocks noGrp="1"/>
+          </p:cNvSpPr>
+          <p:nvPr isPhoto="0" userDrawn="0">
+            <p:ph type="ctrTitle" hasCustomPrompt="0"/>
           </p:nvPr>
         </p:nvSpPr>
         <p:spPr bwMode="auto">
@@ -3249,11 +3250,11 @@
       </p:sp>
       <p:pic>
         <p:nvPicPr>
-          <p:cNvPr id="2104163704" name=""/>
+          <p:cNvPr id="5" name="" hidden="0"/>
           <p:cNvPicPr>
             <a:picLocks noChangeAspect="1"/>
           </p:cNvPicPr>
-          <p:nvPr/>
+          <p:nvPr isPhoto="0" userDrawn="0"/>
         </p:nvPicPr>
         <p:blipFill>
           <a:blip r:embed="rId2"/>
@@ -3290,9 +3291,9 @@
   <p:cSld name="">
     <p:spTree>
       <p:nvGrpSpPr>
-        <p:cNvPr id="1" name=""/>
+        <p:cNvPr id="1" name="" hidden="0"/>
         <p:cNvGrpSpPr/>
-        <p:nvPr/>
+        <p:nvPr isPhoto="0" userDrawn="0"/>
       </p:nvGrpSpPr>
       <p:grpSpPr bwMode="auto">
         <a:xfrm>
@@ -3304,12 +3305,12 @@
       </p:grpSpPr>
       <p:sp>
         <p:nvSpPr>
-          <p:cNvPr id="1444104547" name="Заголовок 1"/>
-          <p:cNvSpPr>
-            <a:spLocks noGrp="1"/>
-          </p:cNvSpPr>
-          <p:nvPr>
-            <p:ph type="title"/>
+          <p:cNvPr id="4" name="Заголовок 1" hidden="0"/>
+          <p:cNvSpPr>
+            <a:spLocks noGrp="1"/>
+          </p:cNvSpPr>
+          <p:nvPr isPhoto="0" userDrawn="0">
+            <p:ph type="title" hasCustomPrompt="0"/>
           </p:nvPr>
         </p:nvSpPr>
         <p:spPr bwMode="auto"/>
@@ -3338,11 +3339,11 @@
       </p:sp>
       <p:pic>
         <p:nvPicPr>
-          <p:cNvPr id="836338956" name=""/>
+          <p:cNvPr id="5" name="" hidden="0"/>
           <p:cNvPicPr>
             <a:picLocks noChangeAspect="1"/>
           </p:cNvPicPr>
-          <p:nvPr/>
+          <p:nvPr isPhoto="0" userDrawn="0"/>
         </p:nvPicPr>
         <p:blipFill>
           <a:blip r:embed="rId2"/>
@@ -3360,9 +3361,9 @@
       </p:pic>
       <p:sp>
         <p:nvSpPr>
-          <p:cNvPr id="1155139005" name=""/>
+          <p:cNvPr id="6" name="" hidden="0"/>
           <p:cNvSpPr/>
-          <p:nvPr/>
+          <p:nvPr isPhoto="0" userDrawn="0"/>
         </p:nvSpPr>
         <p:spPr bwMode="auto">
           <a:xfrm>
@@ -3438,9 +3439,9 @@
       </p:sp>
       <p:sp>
         <p:nvSpPr>
-          <p:cNvPr id="420127648" name=""/>
+          <p:cNvPr id="7" name="" hidden="0"/>
           <p:cNvSpPr/>
-          <p:nvPr/>
+          <p:nvPr isPhoto="0" userDrawn="0"/>
         </p:nvSpPr>
         <p:spPr bwMode="auto">
           <a:xfrm>
@@ -3535,9 +3536,9 @@
   <p:cSld name="">
     <p:spTree>
       <p:nvGrpSpPr>
-        <p:cNvPr id="1" name=""/>
+        <p:cNvPr id="1" name="" hidden="0"/>
         <p:cNvGrpSpPr/>
-        <p:nvPr/>
+        <p:nvPr isPhoto="0" userDrawn="0"/>
       </p:nvGrpSpPr>
       <p:grpSpPr bwMode="auto">
         <a:xfrm>
@@ -3549,12 +3550,12 @@
       </p:grpSpPr>
       <p:sp>
         <p:nvSpPr>
-          <p:cNvPr id="1257141663" name="Заголовок 1"/>
-          <p:cNvSpPr>
-            <a:spLocks noGrp="1"/>
-          </p:cNvSpPr>
-          <p:nvPr>
-            <p:ph type="title"/>
+          <p:cNvPr id="4" name="Заголовок 1" hidden="0"/>
+          <p:cNvSpPr>
+            <a:spLocks noGrp="1"/>
+          </p:cNvSpPr>
+          <p:nvPr isPhoto="0" userDrawn="0">
+            <p:ph type="title" hasCustomPrompt="0"/>
           </p:nvPr>
         </p:nvSpPr>
         <p:spPr bwMode="auto"/>
@@ -3583,11 +3584,11 @@
       </p:sp>
       <p:pic>
         <p:nvPicPr>
-          <p:cNvPr id="793456768" name=""/>
+          <p:cNvPr id="5" name="" hidden="0"/>
           <p:cNvPicPr>
             <a:picLocks noChangeAspect="1"/>
           </p:cNvPicPr>
-          <p:nvPr/>
+          <p:nvPr isPhoto="0" userDrawn="0"/>
         </p:nvPicPr>
         <p:blipFill>
           <a:blip r:embed="rId2"/>
@@ -3624,9 +3625,9 @@
   <p:cSld name="">
     <p:spTree>
       <p:nvGrpSpPr>
-        <p:cNvPr id="1" name=""/>
+        <p:cNvPr id="1" name="" hidden="0"/>
         <p:cNvGrpSpPr/>
-        <p:nvPr/>
+        <p:nvPr isPhoto="0" userDrawn="0"/>
       </p:nvGrpSpPr>
       <p:grpSpPr bwMode="auto">
         <a:xfrm>
@@ -3638,12 +3639,270 @@
       </p:grpSpPr>
       <p:sp>
         <p:nvSpPr>
-          <p:cNvPr id="1786242502" name="Заголовок 1"/>
-          <p:cNvSpPr>
-            <a:spLocks noGrp="1"/>
-          </p:cNvSpPr>
-          <p:nvPr>
-            <p:ph type="title"/>
+          <p:cNvPr id="4" name="Заголовок 1" hidden="0"/>
+          <p:cNvSpPr>
+            <a:spLocks noGrp="1"/>
+          </p:cNvSpPr>
+          <p:nvPr isPhoto="0" userDrawn="0">
+            <p:ph type="title" hasCustomPrompt="0"/>
+          </p:nvPr>
+        </p:nvSpPr>
+        <p:spPr bwMode="auto">
+          <a:xfrm>
+            <a:off x="838198" y="217935"/>
+            <a:ext cx="10515600" cy="1325561"/>
+          </a:xfrm>
+        </p:spPr>
+        <p:txBody>
+          <a:bodyPr/>
+          <a:lstStyle/>
+          <a:p>
+            <a:pPr algn="ctr">
+              <a:defRPr/>
+            </a:pPr>
+            <a:r>
+              <a:rPr lang="ru-RU" sz="7200" b="0" i="0" u="none" strike="noStrike" cap="none" spc="0">
+                <a:solidFill>
+                  <a:srgbClr val="DB3B3B"/>
+                </a:solidFill>
+                <a:latin typeface="Arial"/>
+                <a:ea typeface="Arial"/>
+                <a:cs typeface="Arial"/>
+              </a:rPr>
+              <a:t>Цель игры</a:t>
+            </a:r>
+            <a:endParaRPr sz="7200"/>
+          </a:p>
+        </p:txBody>
+      </p:sp>
+      <p:sp>
+        <p:nvSpPr>
+          <p:cNvPr id="5" name="Объект 2" hidden="0"/>
+          <p:cNvSpPr>
+            <a:spLocks noGrp="1"/>
+          </p:cNvSpPr>
+          <p:nvPr isPhoto="0" userDrawn="0">
+            <p:ph idx="1" hasCustomPrompt="0"/>
+          </p:nvPr>
+        </p:nvSpPr>
+        <p:spPr bwMode="auto">
+          <a:xfrm flipH="0" flipV="0">
+            <a:off x="733423" y="2246461"/>
+            <a:ext cx="5362574" cy="2875471"/>
+          </a:xfrm>
+        </p:spPr>
+        <p:txBody>
+          <a:bodyPr/>
+          <a:lstStyle/>
+          <a:p>
+            <a:pPr marL="0" indent="0">
+              <a:buFont typeface="Arial"/>
+              <a:buNone/>
+              <a:defRPr/>
+            </a:pPr>
+            <a:r>
+              <a:rPr sz="2800" b="0" i="0" u="none">
+                <a:solidFill>
+                  <a:schemeClr val="tx1"/>
+                </a:solidFill>
+                <a:latin typeface="Liberation Sans"/>
+                <a:ea typeface="Liberation Sans"/>
+                <a:cs typeface="Liberation Sans"/>
+              </a:rPr>
+              <a:t>Главной задачей игры защитить ананас от вездесущих блёбов,</a:t>
+            </a:r>
+            <a:r>
+              <a:rPr sz="2800" b="0" i="0" u="none">
+                <a:solidFill>
+                  <a:schemeClr val="tx1"/>
+                </a:solidFill>
+                <a:latin typeface="Liberation Sans"/>
+                <a:ea typeface="Liberation Sans"/>
+                <a:cs typeface="Liberation Sans"/>
+              </a:rPr>
+              <a:t> </a:t>
+            </a:r>
+            <a:r>
+              <a:rPr sz="2800" b="0" i="0" u="none">
+                <a:solidFill>
+                  <a:schemeClr val="tx1"/>
+                </a:solidFill>
+                <a:latin typeface="Liberation Sans"/>
+                <a:ea typeface="Liberation Sans"/>
+                <a:cs typeface="Liberation Sans"/>
+              </a:rPr>
+              <a:t>пытающихся его съесть.</a:t>
+            </a:r>
+            <a:r>
+              <a:rPr sz="2800" b="0" i="0" u="none">
+                <a:solidFill>
+                  <a:schemeClr val="tx1"/>
+                </a:solidFill>
+                <a:latin typeface="Liberation Sans"/>
+                <a:ea typeface="Liberation Sans"/>
+                <a:cs typeface="Liberation Sans"/>
+              </a:rPr>
+              <a:t> </a:t>
+            </a:r>
+            <a:r>
+              <a:rPr sz="2800" b="0" i="0" u="none">
+                <a:solidFill>
+                  <a:schemeClr val="tx1"/>
+                </a:solidFill>
+                <a:latin typeface="Liberation Sans"/>
+                <a:ea typeface="Liberation Sans"/>
+                <a:cs typeface="Liberation Sans"/>
+              </a:rPr>
+              <a:t>Для этого вы должны использовать</a:t>
+            </a:r>
+            <a:r>
+              <a:rPr sz="2800" b="0" i="0" u="none">
+                <a:solidFill>
+                  <a:schemeClr val="tx1"/>
+                </a:solidFill>
+                <a:latin typeface="Liberation Sans"/>
+                <a:ea typeface="Liberation Sans"/>
+                <a:cs typeface="Liberation Sans"/>
+              </a:rPr>
+              <a:t> </a:t>
+            </a:r>
+            <a:r>
+              <a:rPr sz="2800" b="0" i="0" u="none">
+                <a:solidFill>
+                  <a:schemeClr val="tx1"/>
+                </a:solidFill>
+                <a:latin typeface="Liberation Sans"/>
+                <a:ea typeface="Liberation Sans"/>
+                <a:cs typeface="Liberation Sans"/>
+              </a:rPr>
+              <a:t>различные башни.</a:t>
+            </a:r>
+            <a:r>
+              <a:rPr sz="2800" b="0" i="0" u="none">
+                <a:solidFill>
+                  <a:schemeClr val="tx1"/>
+                </a:solidFill>
+                <a:latin typeface="Liberation Sans"/>
+                <a:ea typeface="Liberation Sans"/>
+                <a:cs typeface="Liberation Sans"/>
+              </a:rPr>
+              <a:t> </a:t>
+            </a:r>
+            <a:r>
+              <a:rPr sz="2800" b="0" i="0" u="none">
+                <a:solidFill>
+                  <a:schemeClr val="tx1"/>
+                </a:solidFill>
+                <a:latin typeface="Liberation Sans"/>
+                <a:ea typeface="Liberation Sans"/>
+                <a:cs typeface="Liberation Sans"/>
+              </a:rPr>
+              <a:t>Чем дальше,</a:t>
+            </a:r>
+            <a:r>
+              <a:rPr sz="2800" b="0" i="0" u="none">
+                <a:solidFill>
+                  <a:schemeClr val="tx1"/>
+                </a:solidFill>
+                <a:latin typeface="Liberation Sans"/>
+                <a:ea typeface="Liberation Sans"/>
+                <a:cs typeface="Liberation Sans"/>
+              </a:rPr>
+              <a:t> </a:t>
+            </a:r>
+            <a:r>
+              <a:rPr sz="2800" b="0" i="0" u="none">
+                <a:solidFill>
+                  <a:schemeClr val="tx1"/>
+                </a:solidFill>
+                <a:latin typeface="Liberation Sans"/>
+                <a:ea typeface="Liberation Sans"/>
+                <a:cs typeface="Liberation Sans"/>
+              </a:rPr>
+              <a:t>тем труднее</a:t>
+            </a:r>
+            <a:r>
+              <a:rPr sz="2800" b="0" i="0" u="none">
+                <a:solidFill>
+                  <a:schemeClr val="tx1"/>
+                </a:solidFill>
+                <a:latin typeface="Liberation Sans"/>
+                <a:ea typeface="Liberation Sans"/>
+                <a:cs typeface="Liberation Sans"/>
+              </a:rPr>
+              <a:t>!</a:t>
+            </a:r>
+            <a:endParaRPr sz="2800">
+              <a:solidFill>
+                <a:schemeClr val="tx1"/>
+              </a:solidFill>
+            </a:endParaRPr>
+          </a:p>
+        </p:txBody>
+      </p:sp>
+      <p:pic>
+        <p:nvPicPr>
+          <p:cNvPr id="6" name="" hidden="0"/>
+          <p:cNvPicPr>
+            <a:picLocks noChangeAspect="1"/>
+          </p:cNvPicPr>
+          <p:nvPr isPhoto="0" userDrawn="0"/>
+        </p:nvPicPr>
+        <p:blipFill>
+          <a:blip r:embed="rId2"/>
+          <a:stretch/>
+        </p:blipFill>
+        <p:spPr bwMode="auto">
+          <a:xfrm flipH="0" flipV="0">
+            <a:off x="7068524" y="1615385"/>
+            <a:ext cx="4581523" cy="4581523"/>
+          </a:xfrm>
+          <a:prstGeom prst="rect">
+            <a:avLst/>
+          </a:prstGeom>
+        </p:spPr>
+      </p:pic>
+    </p:spTree>
+  </p:cSld>
+  <p:clrMapOvr>
+    <a:masterClrMapping/>
+  </p:clrMapOvr>
+  <mc:AlternateContent xmlns:mc="http://schemas.openxmlformats.org/markup-compatibility/2006">
+    <mc:Choice xmlns:p14="http://schemas.microsoft.com/office/powerpoint/2010/main" Requires="p14">
+      <p:transition p14:dur="2000" advClick="1"/>
+    </mc:Choice>
+    <mc:Fallback>
+      <p:transition advClick="1"/>
+    </mc:Fallback>
+  </mc:AlternateContent>
+</p:sld>
+</file>
+
+<file path=ppt/slides/slide5.xml><?xml version="1.0" encoding="utf-8"?>
+<p:sld xmlns:a="http://schemas.openxmlformats.org/drawingml/2006/main" xmlns:r="http://schemas.openxmlformats.org/officeDocument/2006/relationships" xmlns:p="http://schemas.openxmlformats.org/presentationml/2006/main" xmlns:m="http://schemas.openxmlformats.org/officeDocument/2006/math" xmlns:w="http://schemas.openxmlformats.org/wordprocessingml/2006/main" showMasterPhAnim="0" show="1">
+  <p:cSld name="">
+    <p:spTree>
+      <p:nvGrpSpPr>
+        <p:cNvPr id="1" name="" hidden="0"/>
+        <p:cNvGrpSpPr/>
+        <p:nvPr isPhoto="0" userDrawn="0"/>
+      </p:nvGrpSpPr>
+      <p:grpSpPr bwMode="auto">
+        <a:xfrm>
+          <a:off x="0" y="0"/>
+          <a:ext cx="0" cy="0"/>
+          <a:chOff x="0" y="0"/>
+          <a:chExt cx="0" cy="0"/>
+        </a:xfrm>
+      </p:grpSpPr>
+      <p:sp>
+        <p:nvSpPr>
+          <p:cNvPr id="4" name="Заголовок 1" hidden="0"/>
+          <p:cNvSpPr>
+            <a:spLocks noGrp="1"/>
+          </p:cNvSpPr>
+          <p:nvPr isPhoto="0" userDrawn="0">
+            <p:ph type="title" hasCustomPrompt="0"/>
           </p:nvPr>
         </p:nvSpPr>
         <p:spPr bwMode="auto">
@@ -3677,11 +3936,11 @@
       </p:sp>
       <p:pic>
         <p:nvPicPr>
-          <p:cNvPr id="2039514351" name=""/>
+          <p:cNvPr id="5" name="" hidden="0"/>
           <p:cNvPicPr>
             <a:picLocks noChangeAspect="1"/>
           </p:cNvPicPr>
-          <p:nvPr/>
+          <p:nvPr isPhoto="0" userDrawn="0"/>
         </p:nvPicPr>
         <p:blipFill>
           <a:blip r:embed="rId2"/>
@@ -3713,14 +3972,14 @@
 </p:sld>
 </file>
 
-<file path=ppt/slides/slide5.xml><?xml version="1.0" encoding="utf-8"?>
+<file path=ppt/slides/slide6.xml><?xml version="1.0" encoding="utf-8"?>
 <p:sld xmlns:a="http://schemas.openxmlformats.org/drawingml/2006/main" xmlns:r="http://schemas.openxmlformats.org/officeDocument/2006/relationships" xmlns:p="http://schemas.openxmlformats.org/presentationml/2006/main" xmlns:m="http://schemas.openxmlformats.org/officeDocument/2006/math" xmlns:w="http://schemas.openxmlformats.org/wordprocessingml/2006/main" showMasterPhAnim="0" show="1">
   <p:cSld name="">
     <p:spTree>
       <p:nvGrpSpPr>
-        <p:cNvPr id="1" name=""/>
+        <p:cNvPr id="1" name="" hidden="0"/>
         <p:cNvGrpSpPr/>
-        <p:nvPr/>
+        <p:nvPr isPhoto="0" userDrawn="0"/>
       </p:nvGrpSpPr>
       <p:grpSpPr bwMode="auto">
         <a:xfrm>
@@ -3732,12 +3991,12 @@
       </p:grpSpPr>
       <p:sp>
         <p:nvSpPr>
-          <p:cNvPr id="53721835" name="Заголовок 1"/>
-          <p:cNvSpPr>
-            <a:spLocks noGrp="1"/>
-          </p:cNvSpPr>
-          <p:nvPr>
-            <p:ph type="title"/>
+          <p:cNvPr id="4" name="Заголовок 1" hidden="0"/>
+          <p:cNvSpPr>
+            <a:spLocks noGrp="1"/>
+          </p:cNvSpPr>
+          <p:nvPr isPhoto="0" userDrawn="0">
+            <p:ph type="title" hasCustomPrompt="0"/>
           </p:nvPr>
         </p:nvSpPr>
         <p:spPr bwMode="auto">
@@ -3771,11 +4030,11 @@
       </p:sp>
       <p:pic>
         <p:nvPicPr>
-          <p:cNvPr id="296462053" name=""/>
+          <p:cNvPr id="5" name="" hidden="0"/>
           <p:cNvPicPr>
             <a:picLocks noChangeAspect="1"/>
           </p:cNvPicPr>
-          <p:nvPr/>
+          <p:nvPr isPhoto="0" userDrawn="0"/>
         </p:nvPicPr>
         <p:blipFill>
           <a:blip r:embed="rId2"/>

--- a/td-game.pptx
+++ b/td-game.pptx
@@ -13,7 +13,7 @@
     <p:sldId id="261" r:id="rId8"/>
   </p:sldIdLst>
   <p:sldSz cx="12192000" cy="6858000"/>
-  <p:notesSz cx="12192000" cy="6858000"/>
+  <p:notesSz cx="6858000" cy="12192000"/>
   <p:defaultTextStyle>
     <a:defPPr>
       <a:defRPr lang="ru-RU"/>
@@ -3854,8 +3854,8 @@
         </p:blipFill>
         <p:spPr bwMode="auto">
           <a:xfrm flipH="0" flipV="0">
-            <a:off x="7068524" y="1615385"/>
-            <a:ext cx="4581523" cy="4581523"/>
+            <a:off x="6796720" y="1602515"/>
+            <a:ext cx="4912143" cy="4849964"/>
           </a:xfrm>
           <a:prstGeom prst="rect">
             <a:avLst/>
